--- a/Talk_Samples/Updated_Talk_Oct25_Alex.pptx
+++ b/Talk_Samples/Updated_Talk_Oct25_Alex.pptx
@@ -5731,7 +5731,19 @@
             </a:r>
             <a:r>
               <a:rPr lang="en-US" sz="2600" dirty="0" smtClean="0"/>
-              <a:t>ow do I choose only K products out of N cutting off the products with less significant, by my opinion, features?</a:t>
+              <a:t>ow do I choose only K products out of N cutting off the products with less significant</a:t>
+            </a:r>
+            <a:r>
+              <a:rPr lang="en-US" sz="2600" smtClean="0"/>
+              <a:t>, </a:t>
+            </a:r>
+            <a:r>
+              <a:rPr lang="en-US" sz="2600" smtClean="0"/>
+              <a:t>in my </a:t>
+            </a:r>
+            <a:r>
+              <a:rPr lang="en-US" sz="2600" dirty="0" smtClean="0"/>
+              <a:t>opinion, features?</a:t>
             </a:r>
           </a:p>
           <a:p>
@@ -6266,7 +6278,6 @@
               <a:rPr lang="en-US" sz="2600" dirty="0" smtClean="0"/>
               <a:t>cases</a:t>
             </a:r>
-            <a:endParaRPr lang="en-US" sz="2600" dirty="0" smtClean="0"/>
           </a:p>
           <a:p>
             <a:r>
@@ -6281,11 +6292,7 @@
           <a:p>
             <a:r>
               <a:rPr lang="en-US" sz="2600" dirty="0" smtClean="0"/>
-              <a:t>More </a:t>
-            </a:r>
-            <a:r>
-              <a:rPr lang="en-US" sz="2600" dirty="0" smtClean="0"/>
-              <a:t>visualization techniques</a:t>
+              <a:t>More visualization techniques</a:t>
             </a:r>
           </a:p>
           <a:p>
